--- a/Case 6 Præsentation.pptx
+++ b/Case 6 Præsentation.pptx
@@ -261,7 +261,7 @@
           <a:p>
             <a:fld id="{E0AF667B-9607-45F9-9BB4-CC925B9BDDE0}" type="datetimeFigureOut">
               <a:rPr lang="da-DK" smtClean="0"/>
-              <a:t>11-02-2021</a:t>
+              <a:t>12-02-2021</a:t>
             </a:fld>
             <a:endParaRPr lang="da-DK"/>
           </a:p>
@@ -459,7 +459,7 @@
           <a:p>
             <a:fld id="{E0AF667B-9607-45F9-9BB4-CC925B9BDDE0}" type="datetimeFigureOut">
               <a:rPr lang="da-DK" smtClean="0"/>
-              <a:t>11-02-2021</a:t>
+              <a:t>12-02-2021</a:t>
             </a:fld>
             <a:endParaRPr lang="da-DK"/>
           </a:p>
@@ -667,7 +667,7 @@
           <a:p>
             <a:fld id="{E0AF667B-9607-45F9-9BB4-CC925B9BDDE0}" type="datetimeFigureOut">
               <a:rPr lang="da-DK" smtClean="0"/>
-              <a:t>11-02-2021</a:t>
+              <a:t>12-02-2021</a:t>
             </a:fld>
             <a:endParaRPr lang="da-DK"/>
           </a:p>
@@ -865,7 +865,7 @@
           <a:p>
             <a:fld id="{E0AF667B-9607-45F9-9BB4-CC925B9BDDE0}" type="datetimeFigureOut">
               <a:rPr lang="da-DK" smtClean="0"/>
-              <a:t>11-02-2021</a:t>
+              <a:t>12-02-2021</a:t>
             </a:fld>
             <a:endParaRPr lang="da-DK"/>
           </a:p>
@@ -1140,7 +1140,7 @@
           <a:p>
             <a:fld id="{E0AF667B-9607-45F9-9BB4-CC925B9BDDE0}" type="datetimeFigureOut">
               <a:rPr lang="da-DK" smtClean="0"/>
-              <a:t>11-02-2021</a:t>
+              <a:t>12-02-2021</a:t>
             </a:fld>
             <a:endParaRPr lang="da-DK"/>
           </a:p>
@@ -1405,7 +1405,7 @@
           <a:p>
             <a:fld id="{E0AF667B-9607-45F9-9BB4-CC925B9BDDE0}" type="datetimeFigureOut">
               <a:rPr lang="da-DK" smtClean="0"/>
-              <a:t>11-02-2021</a:t>
+              <a:t>12-02-2021</a:t>
             </a:fld>
             <a:endParaRPr lang="da-DK"/>
           </a:p>
@@ -1817,7 +1817,7 @@
           <a:p>
             <a:fld id="{E0AF667B-9607-45F9-9BB4-CC925B9BDDE0}" type="datetimeFigureOut">
               <a:rPr lang="da-DK" smtClean="0"/>
-              <a:t>11-02-2021</a:t>
+              <a:t>12-02-2021</a:t>
             </a:fld>
             <a:endParaRPr lang="da-DK"/>
           </a:p>
@@ -1958,7 +1958,7 @@
           <a:p>
             <a:fld id="{E0AF667B-9607-45F9-9BB4-CC925B9BDDE0}" type="datetimeFigureOut">
               <a:rPr lang="da-DK" smtClean="0"/>
-              <a:t>11-02-2021</a:t>
+              <a:t>12-02-2021</a:t>
             </a:fld>
             <a:endParaRPr lang="da-DK"/>
           </a:p>
@@ -2071,7 +2071,7 @@
           <a:p>
             <a:fld id="{E0AF667B-9607-45F9-9BB4-CC925B9BDDE0}" type="datetimeFigureOut">
               <a:rPr lang="da-DK" smtClean="0"/>
-              <a:t>11-02-2021</a:t>
+              <a:t>12-02-2021</a:t>
             </a:fld>
             <a:endParaRPr lang="da-DK"/>
           </a:p>
@@ -2382,7 +2382,7 @@
           <a:p>
             <a:fld id="{E0AF667B-9607-45F9-9BB4-CC925B9BDDE0}" type="datetimeFigureOut">
               <a:rPr lang="da-DK" smtClean="0"/>
-              <a:t>11-02-2021</a:t>
+              <a:t>12-02-2021</a:t>
             </a:fld>
             <a:endParaRPr lang="da-DK"/>
           </a:p>
@@ -2670,7 +2670,7 @@
           <a:p>
             <a:fld id="{E0AF667B-9607-45F9-9BB4-CC925B9BDDE0}" type="datetimeFigureOut">
               <a:rPr lang="da-DK" smtClean="0"/>
-              <a:t>11-02-2021</a:t>
+              <a:t>12-02-2021</a:t>
             </a:fld>
             <a:endParaRPr lang="da-DK"/>
           </a:p>
@@ -2911,7 +2911,7 @@
           <a:p>
             <a:fld id="{E0AF667B-9607-45F9-9BB4-CC925B9BDDE0}" type="datetimeFigureOut">
               <a:rPr lang="da-DK" smtClean="0"/>
-              <a:t>11-02-2021</a:t>
+              <a:t>12-02-2021</a:t>
             </a:fld>
             <a:endParaRPr lang="da-DK"/>
           </a:p>
@@ -3379,7 +3379,13 @@
           <a:p>
             <a:r>
               <a:rPr lang="da-DK" dirty="0"/>
-              <a:t>Frederik </a:t>
+              <a:t>Løst med en MVC applikation</a:t>
+            </a:r>
+          </a:p>
+          <a:p>
+            <a:r>
+              <a:rPr lang="da-DK" dirty="0"/>
+              <a:t> af Frederik </a:t>
             </a:r>
             <a:r>
               <a:rPr lang="da-DK" dirty="0" err="1"/>
@@ -3436,8 +3442,8 @@
         </p:nvSpPr>
         <p:spPr>
           <a:xfrm>
-            <a:off x="665824" y="4530524"/>
-            <a:ext cx="10857391" cy="1737111"/>
+            <a:off x="616257" y="4151640"/>
+            <a:ext cx="10857391" cy="2098239"/>
           </a:xfrm>
           <a:prstGeom prst="rect">
             <a:avLst/>
@@ -3512,14 +3518,14 @@
             <p:ph idx="1"/>
             <p:extLst>
               <p:ext uri="{D42A27DB-BD31-4B8C-83A1-F6EECF244321}">
-                <p14:modId xmlns:p14="http://schemas.microsoft.com/office/powerpoint/2010/main" val="392962950"/>
+                <p14:modId xmlns:p14="http://schemas.microsoft.com/office/powerpoint/2010/main" val="1685161644"/>
               </p:ext>
             </p:extLst>
           </p:nvPr>
         </p:nvGraphicFramePr>
         <p:xfrm>
-          <a:off x="838204" y="5365149"/>
-          <a:ext cx="10515596" cy="736600"/>
+          <a:off x="678406" y="4595137"/>
+          <a:ext cx="10515596" cy="1478280"/>
         </p:xfrm>
         <a:graphic>
           <a:graphicData uri="http://schemas.openxmlformats.org/drawingml/2006/table">
@@ -3535,21 +3541,21 @@
                     </a:ext>
                   </a:extLst>
                 </a:gridCol>
-                <a:gridCol w="1502228">
+                <a:gridCol w="1255293">
                   <a:extLst>
                     <a:ext uri="{9D8B030D-6E8A-4147-A177-3AD203B41FA5}">
                       <a16:colId xmlns:a16="http://schemas.microsoft.com/office/drawing/2014/main" val="2853904694"/>
                     </a:ext>
                   </a:extLst>
                 </a:gridCol>
-                <a:gridCol w="1502228">
+                <a:gridCol w="1526690">
                   <a:extLst>
                     <a:ext uri="{9D8B030D-6E8A-4147-A177-3AD203B41FA5}">
                       <a16:colId xmlns:a16="http://schemas.microsoft.com/office/drawing/2014/main" val="3848022631"/>
                     </a:ext>
                   </a:extLst>
                 </a:gridCol>
-                <a:gridCol w="1502228">
+                <a:gridCol w="1724701">
                   <a:extLst>
                     <a:ext uri="{9D8B030D-6E8A-4147-A177-3AD203B41FA5}">
                       <a16:colId xmlns:a16="http://schemas.microsoft.com/office/drawing/2014/main" val="3522318062"/>
@@ -3585,12 +3591,23 @@
                     <a:lstStyle/>
                     <a:p>
                       <a:r>
-                        <a:rPr lang="da-DK" i="1" dirty="0"/>
+                        <a:rPr lang="da-DK" b="0" i="1" dirty="0">
+                          <a:solidFill>
+                            <a:schemeClr val="tx1"/>
+                          </a:solidFill>
+                        </a:rPr>
                         <a:t>array 1</a:t>
                       </a:r>
                     </a:p>
                   </a:txBody>
-                  <a:tcPr/>
+                  <a:tcPr>
+                    <a:solidFill>
+                      <a:schemeClr val="tx2">
+                        <a:lumMod val="20000"/>
+                        <a:lumOff val="80000"/>
+                      </a:schemeClr>
+                    </a:solidFill>
+                  </a:tcPr>
                 </a:tc>
                 <a:tc>
                   <a:txBody>
@@ -3598,12 +3615,23 @@
                     <a:lstStyle/>
                     <a:p>
                       <a:r>
-                        <a:rPr lang="da-DK" dirty="0"/>
+                        <a:rPr lang="da-DK" b="0" dirty="0">
+                          <a:solidFill>
+                            <a:schemeClr val="tx1"/>
+                          </a:solidFill>
+                        </a:rPr>
                         <a:t>1</a:t>
                       </a:r>
                     </a:p>
                   </a:txBody>
-                  <a:tcPr/>
+                  <a:tcPr>
+                    <a:solidFill>
+                      <a:schemeClr val="tx2">
+                        <a:lumMod val="20000"/>
+                        <a:lumOff val="80000"/>
+                      </a:schemeClr>
+                    </a:solidFill>
+                  </a:tcPr>
                 </a:tc>
                 <a:tc>
                   <a:txBody>
@@ -3611,12 +3639,20 @@
                     <a:lstStyle/>
                     <a:p>
                       <a:r>
-                        <a:rPr lang="da-DK" dirty="0"/>
+                        <a:rPr lang="da-DK" b="0" dirty="0">
+                          <a:solidFill>
+                            <a:schemeClr val="tx1"/>
+                          </a:solidFill>
+                        </a:rPr>
                         <a:t>2</a:t>
                       </a:r>
                     </a:p>
                   </a:txBody>
-                  <a:tcPr/>
+                  <a:tcPr>
+                    <a:solidFill>
+                      <a:schemeClr val="bg2"/>
+                    </a:solidFill>
+                  </a:tcPr>
                 </a:tc>
                 <a:tc>
                   <a:txBody>
@@ -3624,12 +3660,20 @@
                     <a:lstStyle/>
                     <a:p>
                       <a:r>
-                        <a:rPr lang="da-DK" dirty="0"/>
+                        <a:rPr lang="da-DK" b="0" dirty="0">
+                          <a:solidFill>
+                            <a:schemeClr val="tx1"/>
+                          </a:solidFill>
+                        </a:rPr>
                         <a:t>3</a:t>
                       </a:r>
                     </a:p>
                   </a:txBody>
-                  <a:tcPr/>
+                  <a:tcPr>
+                    <a:solidFill>
+                      <a:schemeClr val="bg2"/>
+                    </a:solidFill>
+                  </a:tcPr>
                 </a:tc>
                 <a:tc>
                   <a:txBody>
@@ -3637,12 +3681,20 @@
                     <a:lstStyle/>
                     <a:p>
                       <a:r>
-                        <a:rPr lang="da-DK" dirty="0"/>
+                        <a:rPr lang="da-DK" b="0" dirty="0">
+                          <a:solidFill>
+                            <a:schemeClr val="tx1"/>
+                          </a:solidFill>
+                        </a:rPr>
                         <a:t>4</a:t>
                       </a:r>
                     </a:p>
                   </a:txBody>
-                  <a:tcPr/>
+                  <a:tcPr>
+                    <a:solidFill>
+                      <a:schemeClr val="bg2"/>
+                    </a:solidFill>
+                  </a:tcPr>
                 </a:tc>
                 <a:tc>
                   <a:txBody>
@@ -3650,12 +3702,20 @@
                     <a:lstStyle/>
                     <a:p>
                       <a:r>
-                        <a:rPr lang="da-DK" dirty="0"/>
+                        <a:rPr lang="da-DK" b="0" dirty="0">
+                          <a:solidFill>
+                            <a:schemeClr val="tx1"/>
+                          </a:solidFill>
+                        </a:rPr>
                         <a:t>5</a:t>
                       </a:r>
                     </a:p>
                   </a:txBody>
-                  <a:tcPr/>
+                  <a:tcPr>
+                    <a:solidFill>
+                      <a:schemeClr val="bg2"/>
+                    </a:solidFill>
+                  </a:tcPr>
                 </a:tc>
                 <a:tc>
                   <a:txBody>
@@ -3663,12 +3723,20 @@
                     <a:lstStyle/>
                     <a:p>
                       <a:r>
-                        <a:rPr lang="da-DK" dirty="0"/>
+                        <a:rPr lang="da-DK" b="0" dirty="0">
+                          <a:solidFill>
+                            <a:schemeClr val="tx1"/>
+                          </a:solidFill>
+                        </a:rPr>
                         <a:t>6</a:t>
                       </a:r>
                     </a:p>
                   </a:txBody>
-                  <a:tcPr/>
+                  <a:tcPr>
+                    <a:solidFill>
+                      <a:schemeClr val="bg2"/>
+                    </a:solidFill>
+                  </a:tcPr>
                 </a:tc>
                 <a:extLst>
                   <a:ext uri="{0D108BD9-81ED-4DB2-BD59-A6C34878D82A}">
@@ -3774,6 +3842,202 @@
                   </a:ext>
                 </a:extLst>
               </a:tr>
+              <a:tr h="370840">
+                <a:tc>
+                  <a:txBody>
+                    <a:bodyPr/>
+                    <a:lstStyle/>
+                    <a:p>
+                      <a:r>
+                        <a:rPr lang="da-DK" i="1" dirty="0"/>
+                        <a:t>array 3</a:t>
+                      </a:r>
+                    </a:p>
+                  </a:txBody>
+                  <a:tcPr/>
+                </a:tc>
+                <a:tc>
+                  <a:txBody>
+                    <a:bodyPr/>
+                    <a:lstStyle/>
+                    <a:p>
+                      <a:r>
+                        <a:rPr lang="da-DK" dirty="0"/>
+                        <a:t>13</a:t>
+                      </a:r>
+                    </a:p>
+                  </a:txBody>
+                  <a:tcPr/>
+                </a:tc>
+                <a:tc>
+                  <a:txBody>
+                    <a:bodyPr/>
+                    <a:lstStyle/>
+                    <a:p>
+                      <a:r>
+                        <a:rPr lang="da-DK" dirty="0"/>
+                        <a:t>14</a:t>
+                      </a:r>
+                    </a:p>
+                  </a:txBody>
+                  <a:tcPr/>
+                </a:tc>
+                <a:tc>
+                  <a:txBody>
+                    <a:bodyPr/>
+                    <a:lstStyle/>
+                    <a:p>
+                      <a:r>
+                        <a:rPr lang="da-DK" dirty="0"/>
+                        <a:t>15</a:t>
+                      </a:r>
+                    </a:p>
+                  </a:txBody>
+                  <a:tcPr/>
+                </a:tc>
+                <a:tc>
+                  <a:txBody>
+                    <a:bodyPr/>
+                    <a:lstStyle/>
+                    <a:p>
+                      <a:r>
+                        <a:rPr lang="da-DK" dirty="0"/>
+                        <a:t>16</a:t>
+                      </a:r>
+                    </a:p>
+                  </a:txBody>
+                  <a:tcPr/>
+                </a:tc>
+                <a:tc>
+                  <a:txBody>
+                    <a:bodyPr/>
+                    <a:lstStyle/>
+                    <a:p>
+                      <a:r>
+                        <a:rPr lang="da-DK" dirty="0"/>
+                        <a:t>17</a:t>
+                      </a:r>
+                    </a:p>
+                  </a:txBody>
+                  <a:tcPr/>
+                </a:tc>
+                <a:tc>
+                  <a:txBody>
+                    <a:bodyPr/>
+                    <a:lstStyle/>
+                    <a:p>
+                      <a:r>
+                        <a:rPr lang="da-DK" dirty="0"/>
+                        <a:t>18</a:t>
+                      </a:r>
+                    </a:p>
+                  </a:txBody>
+                  <a:tcPr/>
+                </a:tc>
+                <a:extLst>
+                  <a:ext uri="{0D108BD9-81ED-4DB2-BD59-A6C34878D82A}">
+                    <a16:rowId xmlns:a16="http://schemas.microsoft.com/office/drawing/2014/main" val="2276053035"/>
+                  </a:ext>
+                </a:extLst>
+              </a:tr>
+              <a:tr h="370840">
+                <a:tc>
+                  <a:txBody>
+                    <a:bodyPr/>
+                    <a:lstStyle/>
+                    <a:p>
+                      <a:r>
+                        <a:rPr lang="da-DK" i="1" dirty="0"/>
+                        <a:t>array 4</a:t>
+                      </a:r>
+                    </a:p>
+                  </a:txBody>
+                  <a:tcPr/>
+                </a:tc>
+                <a:tc>
+                  <a:txBody>
+                    <a:bodyPr/>
+                    <a:lstStyle/>
+                    <a:p>
+                      <a:r>
+                        <a:rPr lang="da-DK" dirty="0"/>
+                        <a:t>19</a:t>
+                      </a:r>
+                    </a:p>
+                  </a:txBody>
+                  <a:tcPr/>
+                </a:tc>
+                <a:tc>
+                  <a:txBody>
+                    <a:bodyPr/>
+                    <a:lstStyle/>
+                    <a:p>
+                      <a:r>
+                        <a:rPr lang="da-DK" dirty="0"/>
+                        <a:t>20</a:t>
+                      </a:r>
+                    </a:p>
+                  </a:txBody>
+                  <a:tcPr/>
+                </a:tc>
+                <a:tc>
+                  <a:txBody>
+                    <a:bodyPr/>
+                    <a:lstStyle/>
+                    <a:p>
+                      <a:r>
+                        <a:rPr lang="da-DK" dirty="0"/>
+                        <a:t>21</a:t>
+                      </a:r>
+                    </a:p>
+                  </a:txBody>
+                  <a:tcPr/>
+                </a:tc>
+                <a:tc>
+                  <a:txBody>
+                    <a:bodyPr/>
+                    <a:lstStyle/>
+                    <a:p>
+                      <a:r>
+                        <a:rPr lang="da-DK" dirty="0"/>
+                        <a:t>22</a:t>
+                      </a:r>
+                    </a:p>
+                  </a:txBody>
+                  <a:tcPr/>
+                </a:tc>
+                <a:tc>
+                  <a:txBody>
+                    <a:bodyPr/>
+                    <a:lstStyle/>
+                    <a:p>
+                      <a:r>
+                        <a:rPr lang="da-DK" dirty="0"/>
+                        <a:t>23</a:t>
+                      </a:r>
+                    </a:p>
+                  </a:txBody>
+                  <a:tcPr/>
+                </a:tc>
+                <a:tc>
+                  <a:txBody>
+                    <a:bodyPr/>
+                    <a:lstStyle/>
+                    <a:p>
+                      <a:r>
+                        <a:rPr lang="da-DK" dirty="0"/>
+                        <a:t>24</a:t>
+                      </a:r>
+                    </a:p>
+                  </a:txBody>
+                  <a:tcPr/>
+                </a:tc>
+                <a:extLst>
+                  <a:ext uri="{0D108BD9-81ED-4DB2-BD59-A6C34878D82A}">
+                    <a16:rowId xmlns:a16="http://schemas.microsoft.com/office/drawing/2014/main" val="500043035"/>
+                  </a:ext>
+                </a:extLst>
+              </a:tr>
             </a:tbl>
           </a:graphicData>
         </a:graphic>
@@ -3792,8 +4056,8 @@
         </p:nvSpPr>
         <p:spPr>
           <a:xfrm>
-            <a:off x="776055" y="4652438"/>
-            <a:ext cx="3005832" cy="369332"/>
+            <a:off x="678400" y="4225805"/>
+            <a:ext cx="9335611" cy="369332"/>
           </a:xfrm>
           <a:prstGeom prst="rect">
             <a:avLst/>
@@ -3828,7 +4092,7 @@
                   <a:schemeClr val="bg1"/>
                 </a:solidFill>
               </a:rPr>
-              <a:t>array1, array 2</a:t>
+              <a:t>array1, array 2, array 3, array 4</a:t>
             </a:r>
             <a:r>
               <a:rPr lang="da-DK" dirty="0">
@@ -3856,7 +4120,7 @@
         <p:spPr>
           <a:xfrm>
             <a:off x="838198" y="1559231"/>
-            <a:ext cx="10933592" cy="2031325"/>
+            <a:ext cx="10933592" cy="2308324"/>
           </a:xfrm>
           <a:prstGeom prst="rect">
             <a:avLst/>
@@ -3893,7 +4157,7 @@
           <a:p>
             <a:r>
               <a:rPr lang="da-DK" dirty="0"/>
-              <a:t>Matrix = array af </a:t>
+              <a:t>Matrix af </a:t>
             </a:r>
             <a:r>
               <a:rPr lang="da-DK" dirty="0" err="1"/>
@@ -3901,7 +4165,7 @@
             </a:r>
             <a:r>
               <a:rPr lang="da-DK" dirty="0"/>
-              <a:t> arrays = </a:t>
+              <a:t> = array af </a:t>
             </a:r>
             <a:r>
               <a:rPr lang="da-DK" dirty="0" err="1"/>
@@ -3909,8 +4173,19 @@
             </a:r>
             <a:r>
               <a:rPr lang="da-DK" dirty="0"/>
+              <a:t> arrays = </a:t>
+            </a:r>
+            <a:r>
+              <a:rPr lang="da-DK" dirty="0" err="1"/>
+              <a:t>int</a:t>
+            </a:r>
+            <a:r>
+              <a:rPr lang="da-DK" dirty="0"/>
               <a:t> [][]</a:t>
             </a:r>
+          </a:p>
+          <a:p>
+            <a:endParaRPr lang="da-DK" dirty="0"/>
           </a:p>
           <a:p>
             <a:r>
@@ -3927,7 +4202,7 @@
             </a:r>
             <a:r>
               <a:rPr lang="da-DK" dirty="0" err="1"/>
-              <a:t>itererer</a:t>
+              <a:t>iterere</a:t>
             </a:r>
             <a:r>
               <a:rPr lang="da-DK" dirty="0"/>
@@ -3981,7 +4256,7 @@
           <a:p>
             <a:r>
               <a:rPr lang="da-DK" dirty="0"/>
-              <a:t>Index på nummer 9 i illustration= ”</a:t>
+              <a:t>Index på tallet 16 i illustrationen= ”</a:t>
             </a:r>
             <a:r>
               <a:rPr lang="da-DK" dirty="0" err="1"/>
@@ -3989,7 +4264,7 @@
             </a:r>
             <a:r>
               <a:rPr lang="da-DK" dirty="0"/>
-              <a:t> [1][2]” (plads 2 i ”Matrixarray” og plads 3 i det pågældende array)</a:t>
+              <a:t> [2][3]” (plads 3 i ”Matrixarray” og plads 4 i det pågældende array)</a:t>
             </a:r>
           </a:p>
         </p:txBody>
